--- a/Presentación.pptx
+++ b/Presentación.pptx
@@ -5,7 +5,7 @@
     <p:sldMasterId id="2147483648" r:id="rId1"/>
   </p:sldMasterIdLst>
   <p:notesMasterIdLst>
-    <p:notesMasterId r:id="rId12"/>
+    <p:notesMasterId r:id="rId13"/>
   </p:notesMasterIdLst>
   <p:sldIdLst>
     <p:sldId id="256" r:id="rId2"/>
@@ -17,7 +17,8 @@
     <p:sldId id="265" r:id="rId8"/>
     <p:sldId id="264" r:id="rId9"/>
     <p:sldId id="261" r:id="rId10"/>
-    <p:sldId id="262" r:id="rId11"/>
+    <p:sldId id="266" r:id="rId11"/>
+    <p:sldId id="262" r:id="rId12"/>
   </p:sldIdLst>
   <p:sldSz cx="12192000" cy="6858000"/>
   <p:notesSz cx="6858000" cy="9144000"/>
@@ -938,7 +939,7 @@
           <a:bodyPr/>
           <a:lstStyle/>
           <a:p>
-            <a:endParaRPr lang="es-ES_tradnl"/>
+            <a:endParaRPr lang="es-ES_tradnl" dirty="0"/>
           </a:p>
         </p:txBody>
       </p:sp>
@@ -959,7 +960,91 @@
           <a:p>
             <a:fld id="{77C06CEF-83B0-B042-912F-4A989A4530A0}" type="slidenum">
               <a:rPr lang="es-ES_tradnl" smtClean="0"/>
-              <a:t>10</a:t>
+              <a:t>9</a:t>
+            </a:fld>
+            <a:endParaRPr lang="es-ES_tradnl"/>
+          </a:p>
+        </p:txBody>
+      </p:sp>
+    </p:spTree>
+    <p:extLst>
+      <p:ext uri="{BB962C8B-B14F-4D97-AF65-F5344CB8AC3E}">
+        <p14:creationId xmlns:p14="http://schemas.microsoft.com/office/powerpoint/2010/main" val="306576330"/>
+      </p:ext>
+    </p:extLst>
+  </p:cSld>
+  <p:clrMapOvr>
+    <a:masterClrMapping/>
+  </p:clrMapOvr>
+</p:notes>
+</file>
+
+<file path=ppt/notesSlides/notesSlide7.xml><?xml version="1.0" encoding="utf-8"?>
+<p:notes xmlns:a="http://schemas.openxmlformats.org/drawingml/2006/main" xmlns:r="http://schemas.openxmlformats.org/officeDocument/2006/relationships" xmlns:p="http://schemas.openxmlformats.org/presentationml/2006/main">
+  <p:cSld>
+    <p:spTree>
+      <p:nvGrpSpPr>
+        <p:cNvPr id="1" name=""/>
+        <p:cNvGrpSpPr/>
+        <p:nvPr/>
+      </p:nvGrpSpPr>
+      <p:grpSpPr>
+        <a:xfrm>
+          <a:off x="0" y="0"/>
+          <a:ext cx="0" cy="0"/>
+          <a:chOff x="0" y="0"/>
+          <a:chExt cx="0" cy="0"/>
+        </a:xfrm>
+      </p:grpSpPr>
+      <p:sp>
+        <p:nvSpPr>
+          <p:cNvPr id="2" name="Marcador de imagen de diapositiva 1"/>
+          <p:cNvSpPr>
+            <a:spLocks noGrp="1" noRot="1" noChangeAspect="1"/>
+          </p:cNvSpPr>
+          <p:nvPr>
+            <p:ph type="sldImg"/>
+          </p:nvPr>
+        </p:nvSpPr>
+        <p:spPr/>
+      </p:sp>
+      <p:sp>
+        <p:nvSpPr>
+          <p:cNvPr id="3" name="Marcador de notas 2"/>
+          <p:cNvSpPr>
+            <a:spLocks noGrp="1"/>
+          </p:cNvSpPr>
+          <p:nvPr>
+            <p:ph type="body" idx="1"/>
+          </p:nvPr>
+        </p:nvSpPr>
+        <p:spPr/>
+        <p:txBody>
+          <a:bodyPr/>
+          <a:lstStyle/>
+          <a:p>
+            <a:endParaRPr lang="es-ES_tradnl"/>
+          </a:p>
+        </p:txBody>
+      </p:sp>
+      <p:sp>
+        <p:nvSpPr>
+          <p:cNvPr id="4" name="Marcador de número de diapositiva 3"/>
+          <p:cNvSpPr>
+            <a:spLocks noGrp="1"/>
+          </p:cNvSpPr>
+          <p:nvPr>
+            <p:ph type="sldNum" sz="quarter" idx="10"/>
+          </p:nvPr>
+        </p:nvSpPr>
+        <p:spPr/>
+        <p:txBody>
+          <a:bodyPr/>
+          <a:lstStyle/>
+          <a:p>
+            <a:fld id="{77C06CEF-83B0-B042-912F-4A989A4530A0}" type="slidenum">
+              <a:rPr lang="es-ES_tradnl" smtClean="0"/>
+              <a:t>11</a:t>
             </a:fld>
             <a:endParaRPr lang="es-ES_tradnl"/>
           </a:p>
@@ -7009,6 +7094,110 @@
           <a:lstStyle/>
           <a:p>
             <a:r>
+              <a:rPr lang="es-ES_tradnl" dirty="0" smtClean="0"/>
+              <a:t>Por desarrollar</a:t>
+            </a:r>
+            <a:endParaRPr lang="es-ES_tradnl" dirty="0"/>
+          </a:p>
+        </p:txBody>
+      </p:sp>
+      <p:sp>
+        <p:nvSpPr>
+          <p:cNvPr id="3" name="Marcador de contenido 2"/>
+          <p:cNvSpPr>
+            <a:spLocks noGrp="1"/>
+          </p:cNvSpPr>
+          <p:nvPr>
+            <p:ph idx="1"/>
+          </p:nvPr>
+        </p:nvSpPr>
+        <p:spPr/>
+        <p:txBody>
+          <a:bodyPr/>
+          <a:lstStyle/>
+          <a:p>
+            <a:r>
+              <a:rPr lang="es-ES_tradnl" dirty="0" smtClean="0"/>
+              <a:t>Notificaciones</a:t>
+            </a:r>
+          </a:p>
+          <a:p>
+            <a:r>
+              <a:rPr lang="es-ES_tradnl" dirty="0" smtClean="0"/>
+              <a:t>Posibilidad de activar y desactivar las notificaciones</a:t>
+            </a:r>
+          </a:p>
+          <a:p>
+            <a:r>
+              <a:rPr lang="es-ES_tradnl" dirty="0" smtClean="0"/>
+              <a:t>Ciclos de test con usuarios</a:t>
+            </a:r>
+          </a:p>
+          <a:p>
+            <a:r>
+              <a:rPr lang="es-ES_tradnl" dirty="0" smtClean="0"/>
+              <a:t>Optimización</a:t>
+            </a:r>
+            <a:r>
+              <a:rPr lang="es-ES" dirty="0" smtClean="0"/>
+              <a:t> y creación de contenidos explicativos</a:t>
+            </a:r>
+          </a:p>
+          <a:p>
+            <a:r>
+              <a:rPr lang="es-ES" dirty="0" smtClean="0"/>
+              <a:t>Rediseño gráfico web</a:t>
+            </a:r>
+            <a:endParaRPr lang="es-ES_tradnl" dirty="0"/>
+          </a:p>
+        </p:txBody>
+      </p:sp>
+    </p:spTree>
+    <p:extLst>
+      <p:ext uri="{BB962C8B-B14F-4D97-AF65-F5344CB8AC3E}">
+        <p14:creationId xmlns:p14="http://schemas.microsoft.com/office/powerpoint/2010/main" val="741417486"/>
+      </p:ext>
+    </p:extLst>
+  </p:cSld>
+  <p:clrMapOvr>
+    <a:masterClrMapping/>
+  </p:clrMapOvr>
+</p:sld>
+</file>
+
+<file path=ppt/slides/slide11.xml><?xml version="1.0" encoding="utf-8"?>
+<p:sld xmlns:a="http://schemas.openxmlformats.org/drawingml/2006/main" xmlns:r="http://schemas.openxmlformats.org/officeDocument/2006/relationships" xmlns:p="http://schemas.openxmlformats.org/presentationml/2006/main">
+  <p:cSld>
+    <p:spTree>
+      <p:nvGrpSpPr>
+        <p:cNvPr id="1" name=""/>
+        <p:cNvGrpSpPr/>
+        <p:nvPr/>
+      </p:nvGrpSpPr>
+      <p:grpSpPr>
+        <a:xfrm>
+          <a:off x="0" y="0"/>
+          <a:ext cx="0" cy="0"/>
+          <a:chOff x="0" y="0"/>
+          <a:chExt cx="0" cy="0"/>
+        </a:xfrm>
+      </p:grpSpPr>
+      <p:sp>
+        <p:nvSpPr>
+          <p:cNvPr id="2" name="Título 1"/>
+          <p:cNvSpPr>
+            <a:spLocks noGrp="1"/>
+          </p:cNvSpPr>
+          <p:nvPr>
+            <p:ph type="title"/>
+          </p:nvPr>
+        </p:nvSpPr>
+        <p:spPr/>
+        <p:txBody>
+          <a:bodyPr/>
+          <a:lstStyle/>
+          <a:p>
+            <a:r>
               <a:rPr lang="es-ES_tradnl" dirty="0" err="1" smtClean="0"/>
               <a:t>Conclusi</a:t>
             </a:r>
@@ -7068,23 +7257,14 @@
           <a:p>
             <a:r>
               <a:rPr lang="es-ES" dirty="0" smtClean="0"/>
-              <a:t>Test en diferentes </a:t>
-            </a:r>
+              <a:t>Test en diferentes equipos</a:t>
+            </a:r>
+          </a:p>
+          <a:p>
             <a:r>
               <a:rPr lang="es-ES" dirty="0" smtClean="0"/>
-              <a:t>equipos</a:t>
-            </a:r>
-          </a:p>
-          <a:p>
-            <a:r>
-              <a:rPr lang="es-ES" dirty="0" smtClean="0"/>
-              <a:t>+ preparaci</a:t>
-            </a:r>
-            <a:r>
-              <a:rPr lang="es-ES" dirty="0" smtClean="0"/>
-              <a:t>ón = - tiempo de implementación</a:t>
-            </a:r>
-            <a:endParaRPr lang="es-ES" dirty="0" smtClean="0"/>
+              <a:t>+ preparación = - tiempo de implementación</a:t>
+            </a:r>
           </a:p>
         </p:txBody>
       </p:sp>
@@ -7419,7 +7599,9 @@
         </p:nvSpPr>
         <p:spPr/>
         <p:txBody>
-          <a:bodyPr/>
+          <a:bodyPr>
+            <a:normAutofit fontScale="70000" lnSpcReduction="20000"/>
+          </a:bodyPr>
           <a:lstStyle/>
           <a:p>
             <a:r>
@@ -7470,7 +7652,51 @@
           <a:p>
             <a:r>
               <a:rPr lang="es-ES" sz="2400" dirty="0" smtClean="0"/>
-              <a:t>Inicio donde ver las preguntas de la comunidad y con filtro</a:t>
+              <a:t>Inicio donde ver las preguntas de la comunidad y con </a:t>
+            </a:r>
+            <a:r>
+              <a:rPr lang="es-ES" sz="2400" dirty="0" smtClean="0"/>
+              <a:t>filtro</a:t>
+            </a:r>
+          </a:p>
+          <a:p>
+            <a:r>
+              <a:rPr lang="es-ES" sz="2400" dirty="0" smtClean="0"/>
+              <a:t>Posibilidad de subir imágenes a las preguntas</a:t>
+            </a:r>
+          </a:p>
+          <a:p>
+            <a:r>
+              <a:rPr lang="es-ES" sz="2400" dirty="0" smtClean="0"/>
+              <a:t>Cambiar foto del perfil del usuario</a:t>
+            </a:r>
+          </a:p>
+          <a:p>
+            <a:r>
+              <a:rPr lang="es-ES" sz="2400" dirty="0"/>
+              <a:t>Visualizar pregunta </a:t>
+            </a:r>
+            <a:r>
+              <a:rPr lang="es-ES" sz="2400" dirty="0" smtClean="0"/>
+              <a:t>concreta</a:t>
+            </a:r>
+          </a:p>
+          <a:p>
+            <a:r>
+              <a:rPr lang="es-ES" sz="2400" dirty="0" smtClean="0"/>
+              <a:t>Responder pregunta</a:t>
+            </a:r>
+          </a:p>
+          <a:p>
+            <a:r>
+              <a:rPr lang="es-ES" sz="2400" dirty="0" smtClean="0"/>
+              <a:t>Posibilidad de cambiar la respuesta a una pregunta contestada</a:t>
+            </a:r>
+          </a:p>
+          <a:p>
+            <a:r>
+              <a:rPr lang="es-ES" sz="2400" dirty="0" smtClean="0"/>
+              <a:t>Pantallas no funcionales</a:t>
             </a:r>
           </a:p>
           <a:p>
@@ -7553,7 +7779,9 @@
         </p:nvSpPr>
         <p:spPr/>
         <p:txBody>
-          <a:bodyPr/>
+          <a:bodyPr>
+            <a:normAutofit fontScale="92500" lnSpcReduction="20000"/>
+          </a:bodyPr>
           <a:lstStyle/>
           <a:p>
             <a:r>
@@ -7590,6 +7818,35 @@
               <a:rPr lang="es-ES_tradnl" sz="3200" dirty="0"/>
               <a:t>✔️</a:t>
             </a:r>
+          </a:p>
+          <a:p>
+            <a:r>
+              <a:rPr lang="es-ES_tradnl" sz="3200" dirty="0"/>
+              <a:t>Respuestas ✔️</a:t>
+            </a:r>
+          </a:p>
+          <a:p>
+            <a:r>
+              <a:rPr lang="es-ES_tradnl" sz="3200" dirty="0"/>
+              <a:t> </a:t>
+            </a:r>
+            <a:r>
+              <a:rPr lang="es-ES_tradnl" sz="3200" dirty="0" smtClean="0"/>
+              <a:t>Perfil ✔️</a:t>
+            </a:r>
+          </a:p>
+          <a:p>
+            <a:r>
+              <a:rPr lang="es-ES_tradnl" sz="3200" dirty="0" smtClean="0"/>
+              <a:t>Formulario de contacto ½</a:t>
+            </a:r>
+          </a:p>
+          <a:p>
+            <a:r>
+              <a:rPr lang="es-ES_tradnl" sz="3200" smtClean="0"/>
+              <a:t>Notificaciones 1/2</a:t>
+            </a:r>
+            <a:endParaRPr lang="es-ES_tradnl" sz="3200" dirty="0"/>
           </a:p>
           <a:p>
             <a:endParaRPr lang="es-ES_tradnl" sz="3200" dirty="0" smtClean="0"/>
@@ -7994,7 +8251,6 @@
               <a:rPr lang="es-ES_tradnl" sz="2800" dirty="0" smtClean="0"/>
               <a:t>Mejora Visual de la web en general</a:t>
             </a:r>
-            <a:endParaRPr lang="es-ES_tradnl" sz="2800" dirty="0" smtClean="0"/>
           </a:p>
           <a:p>
             <a:r>

--- a/Presentación.pptx
+++ b/Presentación.pptx
@@ -206,7 +206,7 @@
           <a:p>
             <a:fld id="{4F8E6E1C-941E-6E43-9AB6-3AFBE47F2A7B}" type="datetimeFigureOut">
               <a:rPr lang="es-ES_tradnl" smtClean="0"/>
-              <a:t>10/4/16</a:t>
+              <a:t>11/4/16</a:t>
             </a:fld>
             <a:endParaRPr lang="es-ES_tradnl"/>
           </a:p>
@@ -1164,7 +1164,7 @@
           <a:p>
             <a:fld id="{4AAD347D-5ACD-4C99-B74B-A9C85AD731AF}" type="datetimeFigureOut">
               <a:rPr lang="en-US" dirty="0"/>
-              <a:t>4/10/16</a:t>
+              <a:t>4/11/16</a:t>
             </a:fld>
             <a:endParaRPr lang="en-US" dirty="0"/>
           </a:p>
@@ -1434,7 +1434,7 @@
           <a:p>
             <a:fld id="{4509A250-FF31-4206-8172-F9D3106AACB1}" type="datetimeFigureOut">
               <a:rPr lang="en-US" dirty="0"/>
-              <a:t>4/10/16</a:t>
+              <a:t>4/11/16</a:t>
             </a:fld>
             <a:endParaRPr lang="en-US" dirty="0"/>
           </a:p>
@@ -1623,7 +1623,7 @@
           <a:p>
             <a:fld id="{4509A250-FF31-4206-8172-F9D3106AACB1}" type="datetimeFigureOut">
               <a:rPr lang="en-US" dirty="0"/>
-              <a:t>4/10/16</a:t>
+              <a:t>4/11/16</a:t>
             </a:fld>
             <a:endParaRPr lang="en-US" dirty="0"/>
           </a:p>
@@ -1891,7 +1891,7 @@
           <a:p>
             <a:fld id="{4509A250-FF31-4206-8172-F9D3106AACB1}" type="datetimeFigureOut">
               <a:rPr lang="en-US" dirty="0"/>
-              <a:t>4/10/16</a:t>
+              <a:t>4/11/16</a:t>
             </a:fld>
             <a:endParaRPr lang="en-US" dirty="0"/>
           </a:p>
@@ -2227,7 +2227,7 @@
           <a:p>
             <a:fld id="{4509A250-FF31-4206-8172-F9D3106AACB1}" type="datetimeFigureOut">
               <a:rPr lang="en-US" dirty="0"/>
-              <a:t>4/10/16</a:t>
+              <a:t>4/11/16</a:t>
             </a:fld>
             <a:endParaRPr lang="en-US" dirty="0"/>
           </a:p>
@@ -2845,7 +2845,7 @@
           <a:p>
             <a:fld id="{4509A250-FF31-4206-8172-F9D3106AACB1}" type="datetimeFigureOut">
               <a:rPr lang="en-US" dirty="0"/>
-              <a:t>4/10/16</a:t>
+              <a:t>4/11/16</a:t>
             </a:fld>
             <a:endParaRPr lang="en-US" dirty="0"/>
           </a:p>
@@ -3700,7 +3700,7 @@
           <a:p>
             <a:fld id="{4509A250-FF31-4206-8172-F9D3106AACB1}" type="datetimeFigureOut">
               <a:rPr lang="en-US" dirty="0"/>
-              <a:t>4/10/16</a:t>
+              <a:t>4/11/16</a:t>
             </a:fld>
             <a:endParaRPr lang="en-US" dirty="0"/>
           </a:p>
@@ -3865,7 +3865,7 @@
           <a:p>
             <a:fld id="{4509A250-FF31-4206-8172-F9D3106AACB1}" type="datetimeFigureOut">
               <a:rPr lang="en-US" dirty="0"/>
-              <a:t>4/10/16</a:t>
+              <a:t>4/11/16</a:t>
             </a:fld>
             <a:endParaRPr lang="en-US" dirty="0"/>
           </a:p>
@@ -4040,7 +4040,7 @@
           <a:p>
             <a:fld id="{4509A250-FF31-4206-8172-F9D3106AACB1}" type="datetimeFigureOut">
               <a:rPr lang="en-US" dirty="0"/>
-              <a:t>4/10/16</a:t>
+              <a:t>4/11/16</a:t>
             </a:fld>
             <a:endParaRPr lang="en-US" dirty="0"/>
           </a:p>
@@ -4205,7 +4205,7 @@
           <a:p>
             <a:fld id="{4509A250-FF31-4206-8172-F9D3106AACB1}" type="datetimeFigureOut">
               <a:rPr lang="en-US" dirty="0"/>
-              <a:t>4/10/16</a:t>
+              <a:t>4/11/16</a:t>
             </a:fld>
             <a:endParaRPr lang="en-US" dirty="0"/>
           </a:p>
@@ -4447,7 +4447,7 @@
           <a:p>
             <a:fld id="{9796027F-7875-4030-9381-8BD8C4F21935}" type="datetimeFigureOut">
               <a:rPr lang="en-US" dirty="0"/>
-              <a:t>4/10/16</a:t>
+              <a:t>4/11/16</a:t>
             </a:fld>
             <a:endParaRPr lang="en-US" dirty="0"/>
           </a:p>
@@ -4734,7 +4734,7 @@
           <a:p>
             <a:fld id="{9796027F-7875-4030-9381-8BD8C4F21935}" type="datetimeFigureOut">
               <a:rPr lang="en-US" dirty="0"/>
-              <a:t>4/10/16</a:t>
+              <a:t>4/11/16</a:t>
             </a:fld>
             <a:endParaRPr lang="en-US" dirty="0"/>
           </a:p>
@@ -5173,7 +5173,7 @@
           <a:p>
             <a:fld id="{9796027F-7875-4030-9381-8BD8C4F21935}" type="datetimeFigureOut">
               <a:rPr lang="en-US" dirty="0"/>
-              <a:t>4/10/16</a:t>
+              <a:t>4/11/16</a:t>
             </a:fld>
             <a:endParaRPr lang="en-US" dirty="0"/>
           </a:p>
@@ -5286,7 +5286,7 @@
           <a:p>
             <a:fld id="{4509A250-FF31-4206-8172-F9D3106AACB1}" type="datetimeFigureOut">
               <a:rPr lang="en-US" dirty="0"/>
-              <a:t>4/10/16</a:t>
+              <a:t>4/11/16</a:t>
             </a:fld>
             <a:endParaRPr lang="en-US" dirty="0"/>
           </a:p>
@@ -5376,7 +5376,7 @@
           <a:p>
             <a:fld id="{4509A250-FF31-4206-8172-F9D3106AACB1}" type="datetimeFigureOut">
               <a:rPr lang="en-US" dirty="0"/>
-              <a:t>4/10/16</a:t>
+              <a:t>4/11/16</a:t>
             </a:fld>
             <a:endParaRPr lang="en-US" dirty="0"/>
           </a:p>
@@ -5650,7 +5650,7 @@
           <a:p>
             <a:fld id="{4509A250-FF31-4206-8172-F9D3106AACB1}" type="datetimeFigureOut">
               <a:rPr lang="en-US" dirty="0"/>
-              <a:t>4/10/16</a:t>
+              <a:t>4/11/16</a:t>
             </a:fld>
             <a:endParaRPr lang="en-US" dirty="0"/>
           </a:p>
@@ -5920,7 +5920,7 @@
           <a:p>
             <a:fld id="{4509A250-FF31-4206-8172-F9D3106AACB1}" type="datetimeFigureOut">
               <a:rPr lang="en-US" dirty="0"/>
-              <a:t>4/10/16</a:t>
+              <a:t>4/11/16</a:t>
             </a:fld>
             <a:endParaRPr lang="en-US" dirty="0"/>
           </a:p>
@@ -6344,7 +6344,7 @@
           <a:p>
             <a:fld id="{4AAD347D-5ACD-4C99-B74B-A9C85AD731AF}" type="datetimeFigureOut">
               <a:rPr lang="en-US" dirty="0"/>
-              <a:t>4/10/16</a:t>
+              <a:t>4/11/16</a:t>
             </a:fld>
             <a:endParaRPr lang="en-US" dirty="0"/>
           </a:p>
@@ -7068,23 +7068,14 @@
           <a:p>
             <a:r>
               <a:rPr lang="es-ES" dirty="0" smtClean="0"/>
-              <a:t>Test en diferentes </a:t>
-            </a:r>
+              <a:t>Test en diferentes equipos</a:t>
+            </a:r>
+          </a:p>
+          <a:p>
             <a:r>
               <a:rPr lang="es-ES" dirty="0" smtClean="0"/>
-              <a:t>equipos</a:t>
-            </a:r>
-          </a:p>
-          <a:p>
-            <a:r>
-              <a:rPr lang="es-ES" dirty="0" smtClean="0"/>
-              <a:t>+ preparaci</a:t>
-            </a:r>
-            <a:r>
-              <a:rPr lang="es-ES" dirty="0" smtClean="0"/>
-              <a:t>ón = - tiempo de implementación</a:t>
-            </a:r>
-            <a:endParaRPr lang="es-ES" dirty="0" smtClean="0"/>
+              <a:t>+ preparación = - tiempo de implementación</a:t>
+            </a:r>
           </a:p>
         </p:txBody>
       </p:sp>
@@ -7994,7 +7985,6 @@
               <a:rPr lang="es-ES_tradnl" sz="2800" dirty="0" smtClean="0"/>
               <a:t>Mejora Visual de la web en general</a:t>
             </a:r>
-            <a:endParaRPr lang="es-ES_tradnl" sz="2800" dirty="0" smtClean="0"/>
           </a:p>
           <a:p>
             <a:r>
@@ -8012,8 +8002,12 @@
           </a:p>
           <a:p>
             <a:r>
+              <a:rPr lang="es-ES" sz="2800" smtClean="0"/>
+              <a:t>Reporte </a:t>
+            </a:r>
+            <a:r>
               <a:rPr lang="es-ES" sz="2800" dirty="0" smtClean="0"/>
-              <a:t>Reportado de pregunta</a:t>
+              <a:t>de pregunta</a:t>
             </a:r>
           </a:p>
           <a:p>

--- a/Presentación.pptx
+++ b/Presentación.pptx
@@ -5,7 +5,7 @@
     <p:sldMasterId id="2147483648" r:id="rId1"/>
   </p:sldMasterIdLst>
   <p:notesMasterIdLst>
-    <p:notesMasterId r:id="rId13"/>
+    <p:notesMasterId r:id="rId12"/>
   </p:notesMasterIdLst>
   <p:sldIdLst>
     <p:sldId id="256" r:id="rId2"/>
@@ -16,9 +16,8 @@
     <p:sldId id="263" r:id="rId7"/>
     <p:sldId id="265" r:id="rId8"/>
     <p:sldId id="264" r:id="rId9"/>
-    <p:sldId id="266" r:id="rId10"/>
-    <p:sldId id="261" r:id="rId11"/>
-    <p:sldId id="262" r:id="rId12"/>
+    <p:sldId id="261" r:id="rId10"/>
+    <p:sldId id="262" r:id="rId11"/>
   </p:sldIdLst>
   <p:sldSz cx="12192000" cy="6858000"/>
   <p:notesSz cx="6858000" cy="9144000"/>
@@ -207,7 +206,7 @@
           <a:p>
             <a:fld id="{4F8E6E1C-941E-6E43-9AB6-3AFBE47F2A7B}" type="datetimeFigureOut">
               <a:rPr lang="es-ES_tradnl" smtClean="0"/>
-              <a:t>28/2/16</a:t>
+              <a:t>23/5/16</a:t>
             </a:fld>
             <a:endParaRPr lang="es-ES_tradnl"/>
           </a:p>
@@ -708,7 +707,7 @@
           <a:p>
             <a:fld id="{77C06CEF-83B0-B042-912F-4A989A4530A0}" type="slidenum">
               <a:rPr lang="es-ES_tradnl" smtClean="0"/>
-              <a:t>7</a:t>
+              <a:t>6</a:t>
             </a:fld>
             <a:endParaRPr lang="es-ES_tradnl"/>
           </a:p>
@@ -717,7 +716,7 @@
     </p:spTree>
     <p:extLst>
       <p:ext uri="{BB962C8B-B14F-4D97-AF65-F5344CB8AC3E}">
-        <p14:creationId xmlns:p14="http://schemas.microsoft.com/office/powerpoint/2010/main" val="1173170055"/>
+        <p14:creationId xmlns:p14="http://schemas.microsoft.com/office/powerpoint/2010/main" val="392732378"/>
       </p:ext>
     </p:extLst>
   </p:cSld>
@@ -792,7 +791,7 @@
           <a:p>
             <a:fld id="{77C06CEF-83B0-B042-912F-4A989A4530A0}" type="slidenum">
               <a:rPr lang="es-ES_tradnl" smtClean="0"/>
-              <a:t>8</a:t>
+              <a:t>7</a:t>
             </a:fld>
             <a:endParaRPr lang="es-ES_tradnl"/>
           </a:p>
@@ -801,7 +800,7 @@
     </p:spTree>
     <p:extLst>
       <p:ext uri="{BB962C8B-B14F-4D97-AF65-F5344CB8AC3E}">
-        <p14:creationId xmlns:p14="http://schemas.microsoft.com/office/powerpoint/2010/main" val="1689774824"/>
+        <p14:creationId xmlns:p14="http://schemas.microsoft.com/office/powerpoint/2010/main" val="1173170055"/>
       </p:ext>
     </p:extLst>
   </p:cSld>
@@ -855,7 +854,7 @@
           <a:bodyPr/>
           <a:lstStyle/>
           <a:p>
-            <a:endParaRPr lang="es-ES_tradnl"/>
+            <a:endParaRPr lang="es-ES_tradnl" dirty="0"/>
           </a:p>
         </p:txBody>
       </p:sp>
@@ -876,7 +875,91 @@
           <a:p>
             <a:fld id="{77C06CEF-83B0-B042-912F-4A989A4530A0}" type="slidenum">
               <a:rPr lang="es-ES_tradnl" smtClean="0"/>
-              <a:t>11</a:t>
+              <a:t>8</a:t>
+            </a:fld>
+            <a:endParaRPr lang="es-ES_tradnl"/>
+          </a:p>
+        </p:txBody>
+      </p:sp>
+    </p:spTree>
+    <p:extLst>
+      <p:ext uri="{BB962C8B-B14F-4D97-AF65-F5344CB8AC3E}">
+        <p14:creationId xmlns:p14="http://schemas.microsoft.com/office/powerpoint/2010/main" val="1689774824"/>
+      </p:ext>
+    </p:extLst>
+  </p:cSld>
+  <p:clrMapOvr>
+    <a:masterClrMapping/>
+  </p:clrMapOvr>
+</p:notes>
+</file>
+
+<file path=ppt/notesSlides/notesSlide6.xml><?xml version="1.0" encoding="utf-8"?>
+<p:notes xmlns:a="http://schemas.openxmlformats.org/drawingml/2006/main" xmlns:r="http://schemas.openxmlformats.org/officeDocument/2006/relationships" xmlns:p="http://schemas.openxmlformats.org/presentationml/2006/main">
+  <p:cSld>
+    <p:spTree>
+      <p:nvGrpSpPr>
+        <p:cNvPr id="1" name=""/>
+        <p:cNvGrpSpPr/>
+        <p:nvPr/>
+      </p:nvGrpSpPr>
+      <p:grpSpPr>
+        <a:xfrm>
+          <a:off x="0" y="0"/>
+          <a:ext cx="0" cy="0"/>
+          <a:chOff x="0" y="0"/>
+          <a:chExt cx="0" cy="0"/>
+        </a:xfrm>
+      </p:grpSpPr>
+      <p:sp>
+        <p:nvSpPr>
+          <p:cNvPr id="2" name="Marcador de imagen de diapositiva 1"/>
+          <p:cNvSpPr>
+            <a:spLocks noGrp="1" noRot="1" noChangeAspect="1"/>
+          </p:cNvSpPr>
+          <p:nvPr>
+            <p:ph type="sldImg"/>
+          </p:nvPr>
+        </p:nvSpPr>
+        <p:spPr/>
+      </p:sp>
+      <p:sp>
+        <p:nvSpPr>
+          <p:cNvPr id="3" name="Marcador de notas 2"/>
+          <p:cNvSpPr>
+            <a:spLocks noGrp="1"/>
+          </p:cNvSpPr>
+          <p:nvPr>
+            <p:ph type="body" idx="1"/>
+          </p:nvPr>
+        </p:nvSpPr>
+        <p:spPr/>
+        <p:txBody>
+          <a:bodyPr/>
+          <a:lstStyle/>
+          <a:p>
+            <a:endParaRPr lang="es-ES_tradnl"/>
+          </a:p>
+        </p:txBody>
+      </p:sp>
+      <p:sp>
+        <p:nvSpPr>
+          <p:cNvPr id="4" name="Marcador de número de diapositiva 3"/>
+          <p:cNvSpPr>
+            <a:spLocks noGrp="1"/>
+          </p:cNvSpPr>
+          <p:nvPr>
+            <p:ph type="sldNum" sz="quarter" idx="10"/>
+          </p:nvPr>
+        </p:nvSpPr>
+        <p:spPr/>
+        <p:txBody>
+          <a:bodyPr/>
+          <a:lstStyle/>
+          <a:p>
+            <a:fld id="{77C06CEF-83B0-B042-912F-4A989A4530A0}" type="slidenum">
+              <a:rPr lang="es-ES_tradnl" smtClean="0"/>
+              <a:t>10</a:t>
             </a:fld>
             <a:endParaRPr lang="es-ES_tradnl"/>
           </a:p>
@@ -1081,7 +1164,7 @@
           <a:p>
             <a:fld id="{4AAD347D-5ACD-4C99-B74B-A9C85AD731AF}" type="datetimeFigureOut">
               <a:rPr lang="en-US" dirty="0"/>
-              <a:t>2/28/16</a:t>
+              <a:t>5/23/16</a:t>
             </a:fld>
             <a:endParaRPr lang="en-US" dirty="0"/>
           </a:p>
@@ -1351,7 +1434,7 @@
           <a:p>
             <a:fld id="{4509A250-FF31-4206-8172-F9D3106AACB1}" type="datetimeFigureOut">
               <a:rPr lang="en-US" dirty="0"/>
-              <a:t>2/28/16</a:t>
+              <a:t>5/23/16</a:t>
             </a:fld>
             <a:endParaRPr lang="en-US" dirty="0"/>
           </a:p>
@@ -1540,7 +1623,7 @@
           <a:p>
             <a:fld id="{4509A250-FF31-4206-8172-F9D3106AACB1}" type="datetimeFigureOut">
               <a:rPr lang="en-US" dirty="0"/>
-              <a:t>2/28/16</a:t>
+              <a:t>5/23/16</a:t>
             </a:fld>
             <a:endParaRPr lang="en-US" dirty="0"/>
           </a:p>
@@ -1808,7 +1891,7 @@
           <a:p>
             <a:fld id="{4509A250-FF31-4206-8172-F9D3106AACB1}" type="datetimeFigureOut">
               <a:rPr lang="en-US" dirty="0"/>
-              <a:t>2/28/16</a:t>
+              <a:t>5/23/16</a:t>
             </a:fld>
             <a:endParaRPr lang="en-US" dirty="0"/>
           </a:p>
@@ -2144,7 +2227,7 @@
           <a:p>
             <a:fld id="{4509A250-FF31-4206-8172-F9D3106AACB1}" type="datetimeFigureOut">
               <a:rPr lang="en-US" dirty="0"/>
-              <a:t>2/28/16</a:t>
+              <a:t>5/23/16</a:t>
             </a:fld>
             <a:endParaRPr lang="en-US" dirty="0"/>
           </a:p>
@@ -2762,7 +2845,7 @@
           <a:p>
             <a:fld id="{4509A250-FF31-4206-8172-F9D3106AACB1}" type="datetimeFigureOut">
               <a:rPr lang="en-US" dirty="0"/>
-              <a:t>2/28/16</a:t>
+              <a:t>5/23/16</a:t>
             </a:fld>
             <a:endParaRPr lang="en-US" dirty="0"/>
           </a:p>
@@ -3617,7 +3700,7 @@
           <a:p>
             <a:fld id="{4509A250-FF31-4206-8172-F9D3106AACB1}" type="datetimeFigureOut">
               <a:rPr lang="en-US" dirty="0"/>
-              <a:t>2/28/16</a:t>
+              <a:t>5/23/16</a:t>
             </a:fld>
             <a:endParaRPr lang="en-US" dirty="0"/>
           </a:p>
@@ -3782,7 +3865,7 @@
           <a:p>
             <a:fld id="{4509A250-FF31-4206-8172-F9D3106AACB1}" type="datetimeFigureOut">
               <a:rPr lang="en-US" dirty="0"/>
-              <a:t>2/28/16</a:t>
+              <a:t>5/23/16</a:t>
             </a:fld>
             <a:endParaRPr lang="en-US" dirty="0"/>
           </a:p>
@@ -3957,7 +4040,7 @@
           <a:p>
             <a:fld id="{4509A250-FF31-4206-8172-F9D3106AACB1}" type="datetimeFigureOut">
               <a:rPr lang="en-US" dirty="0"/>
-              <a:t>2/28/16</a:t>
+              <a:t>5/23/16</a:t>
             </a:fld>
             <a:endParaRPr lang="en-US" dirty="0"/>
           </a:p>
@@ -4122,7 +4205,7 @@
           <a:p>
             <a:fld id="{4509A250-FF31-4206-8172-F9D3106AACB1}" type="datetimeFigureOut">
               <a:rPr lang="en-US" dirty="0"/>
-              <a:t>2/28/16</a:t>
+              <a:t>5/23/16</a:t>
             </a:fld>
             <a:endParaRPr lang="en-US" dirty="0"/>
           </a:p>
@@ -4364,7 +4447,7 @@
           <a:p>
             <a:fld id="{9796027F-7875-4030-9381-8BD8C4F21935}" type="datetimeFigureOut">
               <a:rPr lang="en-US" dirty="0"/>
-              <a:t>2/28/16</a:t>
+              <a:t>5/23/16</a:t>
             </a:fld>
             <a:endParaRPr lang="en-US" dirty="0"/>
           </a:p>
@@ -4651,7 +4734,7 @@
           <a:p>
             <a:fld id="{9796027F-7875-4030-9381-8BD8C4F21935}" type="datetimeFigureOut">
               <a:rPr lang="en-US" dirty="0"/>
-              <a:t>2/28/16</a:t>
+              <a:t>5/23/16</a:t>
             </a:fld>
             <a:endParaRPr lang="en-US" dirty="0"/>
           </a:p>
@@ -5090,7 +5173,7 @@
           <a:p>
             <a:fld id="{9796027F-7875-4030-9381-8BD8C4F21935}" type="datetimeFigureOut">
               <a:rPr lang="en-US" dirty="0"/>
-              <a:t>2/28/16</a:t>
+              <a:t>5/23/16</a:t>
             </a:fld>
             <a:endParaRPr lang="en-US" dirty="0"/>
           </a:p>
@@ -5203,7 +5286,7 @@
           <a:p>
             <a:fld id="{4509A250-FF31-4206-8172-F9D3106AACB1}" type="datetimeFigureOut">
               <a:rPr lang="en-US" dirty="0"/>
-              <a:t>2/28/16</a:t>
+              <a:t>5/23/16</a:t>
             </a:fld>
             <a:endParaRPr lang="en-US" dirty="0"/>
           </a:p>
@@ -5293,7 +5376,7 @@
           <a:p>
             <a:fld id="{4509A250-FF31-4206-8172-F9D3106AACB1}" type="datetimeFigureOut">
               <a:rPr lang="en-US" dirty="0"/>
-              <a:t>2/28/16</a:t>
+              <a:t>5/23/16</a:t>
             </a:fld>
             <a:endParaRPr lang="en-US" dirty="0"/>
           </a:p>
@@ -5567,7 +5650,7 @@
           <a:p>
             <a:fld id="{4509A250-FF31-4206-8172-F9D3106AACB1}" type="datetimeFigureOut">
               <a:rPr lang="en-US" dirty="0"/>
-              <a:t>2/28/16</a:t>
+              <a:t>5/23/16</a:t>
             </a:fld>
             <a:endParaRPr lang="en-US" dirty="0"/>
           </a:p>
@@ -5837,7 +5920,7 @@
           <a:p>
             <a:fld id="{4509A250-FF31-4206-8172-F9D3106AACB1}" type="datetimeFigureOut">
               <a:rPr lang="en-US" dirty="0"/>
-              <a:t>2/28/16</a:t>
+              <a:t>5/23/16</a:t>
             </a:fld>
             <a:endParaRPr lang="en-US" dirty="0"/>
           </a:p>
@@ -6261,7 +6344,7 @@
           <a:p>
             <a:fld id="{4AAD347D-5ACD-4C99-B74B-A9C85AD731AF}" type="datetimeFigureOut">
               <a:rPr lang="en-US" dirty="0"/>
-              <a:t>2/28/16</a:t>
+              <a:t>5/23/16</a:t>
             </a:fld>
             <a:endParaRPr lang="en-US" dirty="0"/>
           </a:p>
@@ -6926,118 +7009,6 @@
           <a:lstStyle/>
           <a:p>
             <a:r>
-              <a:rPr lang="es-ES_tradnl" dirty="0" smtClean="0"/>
-              <a:t>En desarrollo</a:t>
-            </a:r>
-            <a:endParaRPr lang="es-ES_tradnl" dirty="0"/>
-          </a:p>
-        </p:txBody>
-      </p:sp>
-      <p:sp>
-        <p:nvSpPr>
-          <p:cNvPr id="3" name="Marcador de contenido 2"/>
-          <p:cNvSpPr>
-            <a:spLocks noGrp="1"/>
-          </p:cNvSpPr>
-          <p:nvPr>
-            <p:ph idx="1"/>
-          </p:nvPr>
-        </p:nvSpPr>
-        <p:spPr/>
-        <p:txBody>
-          <a:bodyPr/>
-          <a:lstStyle/>
-          <a:p>
-            <a:r>
-              <a:rPr lang="es-ES_tradnl" sz="2800" dirty="0" smtClean="0"/>
-              <a:t>Mi Perfil</a:t>
-            </a:r>
-          </a:p>
-          <a:p>
-            <a:r>
-              <a:rPr lang="es-ES_tradnl" sz="2800" dirty="0" smtClean="0"/>
-              <a:t>Pol</a:t>
-            </a:r>
-            <a:r>
-              <a:rPr lang="es-ES" sz="2800" dirty="0" err="1" smtClean="0"/>
-              <a:t>ítica</a:t>
-            </a:r>
-            <a:r>
-              <a:rPr lang="es-ES" sz="2800" dirty="0" smtClean="0"/>
-              <a:t> del sitio</a:t>
-            </a:r>
-          </a:p>
-          <a:p>
-            <a:r>
-              <a:rPr lang="es-ES" sz="2800" dirty="0" smtClean="0"/>
-              <a:t>Responder pregunta</a:t>
-            </a:r>
-          </a:p>
-          <a:p>
-            <a:r>
-              <a:rPr lang="es-ES" sz="2800" dirty="0" smtClean="0"/>
-              <a:t>Ajax dinámico alta pregunta</a:t>
-            </a:r>
-            <a:endParaRPr lang="es-ES_tradnl" sz="2800" dirty="0" smtClean="0"/>
-          </a:p>
-          <a:p>
-            <a:endParaRPr lang="es-ES_tradnl" dirty="0"/>
-          </a:p>
-        </p:txBody>
-      </p:sp>
-    </p:spTree>
-    <p:extLst>
-      <p:ext uri="{BB962C8B-B14F-4D97-AF65-F5344CB8AC3E}">
-        <p14:creationId xmlns:p14="http://schemas.microsoft.com/office/powerpoint/2010/main" val="977917938"/>
-      </p:ext>
-    </p:extLst>
-  </p:cSld>
-  <p:clrMapOvr>
-    <a:masterClrMapping/>
-  </p:clrMapOvr>
-  <p:timing>
-    <p:tnLst>
-      <p:par>
-        <p:cTn id="1" dur="indefinite" restart="never" nodeType="tmRoot"/>
-      </p:par>
-    </p:tnLst>
-  </p:timing>
-</p:sld>
-</file>
-
-<file path=ppt/slides/slide11.xml><?xml version="1.0" encoding="utf-8"?>
-<p:sld xmlns:a="http://schemas.openxmlformats.org/drawingml/2006/main" xmlns:r="http://schemas.openxmlformats.org/officeDocument/2006/relationships" xmlns:p="http://schemas.openxmlformats.org/presentationml/2006/main">
-  <p:cSld>
-    <p:spTree>
-      <p:nvGrpSpPr>
-        <p:cNvPr id="1" name=""/>
-        <p:cNvGrpSpPr/>
-        <p:nvPr/>
-      </p:nvGrpSpPr>
-      <p:grpSpPr>
-        <a:xfrm>
-          <a:off x="0" y="0"/>
-          <a:ext cx="0" cy="0"/>
-          <a:chOff x="0" y="0"/>
-          <a:chExt cx="0" cy="0"/>
-        </a:xfrm>
-      </p:grpSpPr>
-      <p:sp>
-        <p:nvSpPr>
-          <p:cNvPr id="2" name="Título 1"/>
-          <p:cNvSpPr>
-            <a:spLocks noGrp="1"/>
-          </p:cNvSpPr>
-          <p:nvPr>
-            <p:ph type="title"/>
-          </p:nvPr>
-        </p:nvSpPr>
-        <p:spPr/>
-        <p:txBody>
-          <a:bodyPr/>
-          <a:lstStyle/>
-          <a:p>
-            <a:r>
               <a:rPr lang="es-ES_tradnl" dirty="0" err="1" smtClean="0"/>
               <a:t>Conclusi</a:t>
             </a:r>
@@ -7064,10 +7035,10 @@
           <a:bodyPr/>
           <a:lstStyle/>
           <a:p>
-            <a:r>
-              <a:rPr lang="es-ES_tradnl" dirty="0" smtClean="0"/>
-              <a:t>Dinamismo de trabajo</a:t>
-            </a:r>
+            <a:pPr marL="0" indent="0">
+              <a:buNone/>
+            </a:pPr>
+            <a:endParaRPr lang="es-ES_tradnl" dirty="0" smtClean="0"/>
           </a:p>
           <a:p>
             <a:r>
@@ -7103,9 +7074,8 @@
           <a:p>
             <a:r>
               <a:rPr lang="es-ES" dirty="0" smtClean="0"/>
-              <a:t>Repartición de tareas</a:t>
-            </a:r>
-            <a:endParaRPr lang="es-ES_tradnl" dirty="0"/>
+              <a:t>+ preparación = - tiempo de implementación</a:t>
+            </a:r>
           </a:p>
         </p:txBody>
       </p:sp>
@@ -7358,10 +7328,14 @@
             </a:r>
             <a:r>
               <a:rPr lang="es-ES" sz="2800" dirty="0" smtClean="0"/>
-              <a:t> completa y fiable que 	</a:t>
-            </a:r>
-            <a:r>
-              <a:rPr lang="es-ES" sz="2800" dirty="0" err="1" smtClean="0"/>
+              <a:t> completa y fiable </a:t>
+            </a:r>
+            <a:r>
+              <a:rPr lang="es-ES" sz="2800" smtClean="0"/>
+              <a:t>que </a:t>
+            </a:r>
+            <a:r>
+              <a:rPr lang="es-ES" sz="2800" smtClean="0"/>
               <a:t>yahoo</a:t>
             </a:r>
             <a:endParaRPr lang="es-ES_tradnl" sz="2800" dirty="0"/>
@@ -7680,7 +7654,7 @@
           <a:p>
             <a:r>
               <a:rPr lang="es-ES_tradnl" dirty="0" smtClean="0"/>
-              <a:t>Estado</a:t>
+              <a:t>Control de versiones</a:t>
             </a:r>
             <a:endParaRPr lang="es-ES_tradnl" dirty="0"/>
           </a:p>
@@ -7697,15 +7671,15 @@
           </p:nvPr>
         </p:nvPicPr>
         <p:blipFill>
-          <a:blip r:embed="rId2"/>
+          <a:blip r:embed="rId3"/>
           <a:stretch>
             <a:fillRect/>
           </a:stretch>
         </p:blipFill>
         <p:spPr>
           <a:xfrm>
-            <a:off x="3286835" y="1152982"/>
-            <a:ext cx="5792930" cy="5306811"/>
+            <a:off x="2418735" y="1152983"/>
+            <a:ext cx="6931742" cy="5831848"/>
           </a:xfrm>
           <a:prstGeom prst="rect">
             <a:avLst/>
@@ -7765,20 +7739,22 @@
           <a:lstStyle/>
           <a:p>
             <a:r>
-              <a:rPr lang="es-ES_tradnl" smtClean="0"/>
-              <a:t>Estado</a:t>
-            </a:r>
-            <a:endParaRPr lang="es-ES_tradnl"/>
+              <a:rPr lang="es-ES_tradnl" dirty="0" smtClean="0"/>
+              <a:t>Control de versiones</a:t>
+            </a:r>
+            <a:endParaRPr lang="es-ES_tradnl" dirty="0"/>
           </a:p>
         </p:txBody>
       </p:sp>
       <p:pic>
         <p:nvPicPr>
-          <p:cNvPr id="3" name="Imagen 2"/>
+          <p:cNvPr id="4" name="Marcador de contenido 3"/>
           <p:cNvPicPr>
-            <a:picLocks noChangeAspect="1"/>
+            <a:picLocks noGrp="1" noChangeAspect="1"/>
           </p:cNvPicPr>
-          <p:nvPr/>
+          <p:nvPr>
+            <p:ph idx="1"/>
+          </p:nvPr>
         </p:nvPicPr>
         <p:blipFill>
           <a:blip r:embed="rId3"/>
@@ -7788,33 +7764,38 @@
         </p:blipFill>
         <p:spPr>
           <a:xfrm>
-            <a:off x="2333635" y="1529114"/>
-            <a:ext cx="7367860" cy="4753700"/>
+            <a:off x="0" y="1152983"/>
+            <a:ext cx="4336026" cy="5705016"/>
           </a:xfrm>
           <a:prstGeom prst="rect">
             <a:avLst/>
           </a:prstGeom>
         </p:spPr>
       </p:pic>
-      <p:sp>
-        <p:nvSpPr>
-          <p:cNvPr id="5" name="Marcador de contenido 4"/>
-          <p:cNvSpPr>
-            <a:spLocks noGrp="1"/>
-          </p:cNvSpPr>
-          <p:nvPr>
-            <p:ph idx="1"/>
-          </p:nvPr>
-        </p:nvSpPr>
-        <p:spPr/>
-        <p:txBody>
-          <a:bodyPr/>
-          <a:lstStyle/>
-          <a:p>
-            <a:endParaRPr lang="es-ES_tradnl"/>
-          </a:p>
-        </p:txBody>
-      </p:sp>
+      <p:pic>
+        <p:nvPicPr>
+          <p:cNvPr id="7" name="Imagen 6"/>
+          <p:cNvPicPr>
+            <a:picLocks noChangeAspect="1"/>
+          </p:cNvPicPr>
+          <p:nvPr/>
+        </p:nvPicPr>
+        <p:blipFill>
+          <a:blip r:embed="rId4"/>
+          <a:stretch>
+            <a:fillRect/>
+          </a:stretch>
+        </p:blipFill>
+        <p:spPr>
+          <a:xfrm>
+            <a:off x="4336026" y="1152982"/>
+            <a:ext cx="7855974" cy="5705017"/>
+          </a:xfrm>
+          <a:prstGeom prst="rect">
+            <a:avLst/>
+          </a:prstGeom>
+        </p:spPr>
+      </p:pic>
     </p:spTree>
     <p:extLst>
       <p:ext uri="{BB962C8B-B14F-4D97-AF65-F5344CB8AC3E}">
@@ -7907,7 +7888,7 @@
       </p:sp>
       <p:pic>
         <p:nvPicPr>
-          <p:cNvPr id="4" name="Imagen 3"/>
+          <p:cNvPr id="5" name="Imagen 4"/>
           <p:cNvPicPr>
             <a:picLocks noChangeAspect="1"/>
           </p:cNvPicPr>
@@ -7921,8 +7902,8 @@
         </p:blipFill>
         <p:spPr>
           <a:xfrm>
-            <a:off x="1431116" y="1140722"/>
-            <a:ext cx="9343724" cy="5544749"/>
+            <a:off x="0" y="0"/>
+            <a:ext cx="12192000" cy="6858000"/>
           </a:xfrm>
           <a:prstGeom prst="rect">
             <a:avLst/>
@@ -7983,42 +7964,87 @@
           <a:p>
             <a:r>
               <a:rPr lang="es-ES_tradnl" dirty="0" smtClean="0"/>
-              <a:t>Estado</a:t>
+              <a:t>En desarrollo</a:t>
             </a:r>
             <a:endParaRPr lang="es-ES_tradnl" dirty="0"/>
           </a:p>
         </p:txBody>
       </p:sp>
-      <p:pic>
-        <p:nvPicPr>
-          <p:cNvPr id="4" name="Marcador de contenido 3"/>
-          <p:cNvPicPr>
-            <a:picLocks noGrp="1" noChangeAspect="1"/>
-          </p:cNvPicPr>
+      <p:sp>
+        <p:nvSpPr>
+          <p:cNvPr id="3" name="Marcador de contenido 2"/>
+          <p:cNvSpPr>
+            <a:spLocks noGrp="1"/>
+          </p:cNvSpPr>
           <p:nvPr>
             <p:ph idx="1"/>
           </p:nvPr>
-        </p:nvPicPr>
-        <p:blipFill>
-          <a:blip r:embed="rId2"/>
-          <a:stretch>
-            <a:fillRect/>
-          </a:stretch>
-        </p:blipFill>
-        <p:spPr>
-          <a:xfrm>
-            <a:off x="2274362" y="1397479"/>
-            <a:ext cx="6957621" cy="5072331"/>
-          </a:xfrm>
-          <a:prstGeom prst="rect">
-            <a:avLst/>
-          </a:prstGeom>
-        </p:spPr>
-      </p:pic>
+        </p:nvSpPr>
+        <p:spPr/>
+        <p:txBody>
+          <a:bodyPr/>
+          <a:lstStyle/>
+          <a:p>
+            <a:r>
+              <a:rPr lang="es-ES_tradnl" sz="2800" dirty="0" smtClean="0"/>
+              <a:t>Mejora Visual de la web en general</a:t>
+            </a:r>
+          </a:p>
+          <a:p>
+            <a:r>
+              <a:rPr lang="es-ES_tradnl" sz="2800" dirty="0" smtClean="0"/>
+              <a:t>Pol</a:t>
+            </a:r>
+            <a:r>
+              <a:rPr lang="es-ES" sz="2800" dirty="0" err="1" smtClean="0"/>
+              <a:t>ítica</a:t>
+            </a:r>
+            <a:r>
+              <a:rPr lang="es-ES" sz="2800" dirty="0" smtClean="0"/>
+              <a:t> del sitio</a:t>
+            </a:r>
+          </a:p>
+          <a:p>
+            <a:r>
+              <a:rPr lang="es-ES" sz="2800" smtClean="0"/>
+              <a:t>Reporte </a:t>
+            </a:r>
+            <a:r>
+              <a:rPr lang="es-ES" sz="2800" dirty="0" smtClean="0"/>
+              <a:t>de pregunta</a:t>
+            </a:r>
+          </a:p>
+          <a:p>
+            <a:r>
+              <a:rPr lang="es-ES" sz="2800" dirty="0" err="1" smtClean="0"/>
+              <a:t>Envio</a:t>
+            </a:r>
+            <a:r>
+              <a:rPr lang="es-ES" sz="2800" dirty="0" smtClean="0"/>
+              <a:t> de mails mediante </a:t>
+            </a:r>
+            <a:r>
+              <a:rPr lang="es-ES" sz="2800" dirty="0" err="1" smtClean="0"/>
+              <a:t>php</a:t>
+            </a:r>
+            <a:endParaRPr lang="es-ES" sz="2800" dirty="0" smtClean="0"/>
+          </a:p>
+          <a:p>
+            <a:r>
+              <a:rPr lang="es-ES" sz="2800" dirty="0" smtClean="0"/>
+              <a:t>Pantallas no funcionales</a:t>
+            </a:r>
+            <a:endParaRPr lang="es-ES_tradnl" sz="2800" dirty="0" smtClean="0"/>
+          </a:p>
+          <a:p>
+            <a:endParaRPr lang="es-ES_tradnl" dirty="0"/>
+          </a:p>
+        </p:txBody>
+      </p:sp>
     </p:spTree>
     <p:extLst>
       <p:ext uri="{BB962C8B-B14F-4D97-AF65-F5344CB8AC3E}">
-        <p14:creationId xmlns:p14="http://schemas.microsoft.com/office/powerpoint/2010/main" val="894702591"/>
+        <p14:creationId xmlns:p14="http://schemas.microsoft.com/office/powerpoint/2010/main" val="977917938"/>
       </p:ext>
     </p:extLst>
   </p:cSld>
